--- a/expected_test_results/master_template/scenario_long_range/scenario_long_range_temp.pptx
+++ b/expected_test_results/master_template/scenario_long_range/scenario_long_range_temp.pptx
@@ -17398,7 +17398,7 @@
                 <a:latin typeface="Open Sans" panose="020B0606030504020204" pitchFamily="34" charset="0"/>
                 <a:ea typeface="Open Sans" panose="020B0606030504020204" pitchFamily="34" charset="0"/>
               </a:rPr>
-              <a:t>???</a:t>
+              <a:t/>
             </a:r>
             <a:endParaRPr lang="en-US" sz="2000" dirty="0">
               <a:solidFill>
@@ -17473,7 +17473,7 @@
                 <a:latin typeface="Open Sans" panose="020B0606030504020204" pitchFamily="34" charset="0"/>
                 <a:ea typeface="Open Sans" panose="020B0606030504020204" pitchFamily="34" charset="0"/>
               </a:rPr>
-              <a:t>???</a:t>
+              <a:t/>
             </a:r>
             <a:endParaRPr lang="en-US" sz="2000" dirty="0">
               <a:solidFill>
@@ -17548,7 +17548,7 @@
                 <a:latin typeface="Open Sans" panose="020B0606030504020204" pitchFamily="34" charset="0"/>
                 <a:ea typeface="Open Sans" panose="020B0606030504020204" pitchFamily="34" charset="0"/>
               </a:rPr>
-              <a:t>???</a:t>
+              <a:t/>
             </a:r>
             <a:endParaRPr lang="en-US" sz="2000" dirty="0">
               <a:solidFill>
@@ -17623,7 +17623,7 @@
                 <a:latin typeface="Open Sans" panose="020B0606030504020204" pitchFamily="34" charset="0"/>
                 <a:ea typeface="Open Sans" panose="020B0606030504020204" pitchFamily="34" charset="0"/>
               </a:rPr>
-              <a:t>???</a:t>
+              <a:t/>
             </a:r>
             <a:endParaRPr lang="en-US" sz="2000" dirty="0">
               <a:solidFill>
@@ -17698,7 +17698,7 @@
                 <a:latin typeface="Open Sans" panose="020B0606030504020204" pitchFamily="34" charset="0"/>
                 <a:ea typeface="Open Sans" panose="020B0606030504020204" pitchFamily="34" charset="0"/>
               </a:rPr>
-              <a:t>???</a:t>
+              <a:t/>
             </a:r>
             <a:endParaRPr lang="en-US" sz="2000" dirty="0">
               <a:solidFill>
@@ -17773,7 +17773,7 @@
                 <a:latin typeface="Open Sans" panose="020B0606030504020204" pitchFamily="34" charset="0"/>
                 <a:ea typeface="Open Sans" panose="020B0606030504020204" pitchFamily="34" charset="0"/>
               </a:rPr>
-              <a:t>???</a:t>
+              <a:t/>
             </a:r>
             <a:endParaRPr lang="en-US" sz="2000" dirty="0">
               <a:solidFill>
@@ -17848,7 +17848,7 @@
                 <a:latin typeface="Open Sans" panose="020B0606030504020204" pitchFamily="34" charset="0"/>
                 <a:ea typeface="Open Sans" panose="020B0606030504020204" pitchFamily="34" charset="0"/>
               </a:rPr>
-              <a:t>???</a:t>
+              <a:t/>
             </a:r>
             <a:endParaRPr lang="en-US" sz="2000" dirty="0">
               <a:solidFill>
@@ -17923,7 +17923,7 @@
                 <a:latin typeface="Open Sans" panose="020B0606030504020204" pitchFamily="34" charset="0"/>
                 <a:ea typeface="Open Sans" panose="020B0606030504020204" pitchFamily="34" charset="0"/>
               </a:rPr>
-              <a:t>???</a:t>
+              <a:t/>
             </a:r>
             <a:endParaRPr lang="en-US" sz="2000" dirty="0">
               <a:solidFill>
@@ -17998,7 +17998,7 @@
                 <a:latin typeface="Open Sans" panose="020B0606030504020204" pitchFamily="34" charset="0"/>
                 <a:ea typeface="Open Sans" panose="020B0606030504020204" pitchFamily="34" charset="0"/>
               </a:rPr>
-              <a:t>???</a:t>
+              <a:t/>
             </a:r>
             <a:endParaRPr lang="en-US" sz="2000" dirty="0">
               <a:solidFill>
@@ -18073,7 +18073,7 @@
                 <a:latin typeface="Open Sans" panose="020B0606030504020204" pitchFamily="34" charset="0"/>
                 <a:ea typeface="Open Sans" panose="020B0606030504020204" pitchFamily="34" charset="0"/>
               </a:rPr>
-              <a:t>???</a:t>
+              <a:t/>
             </a:r>
             <a:endParaRPr lang="en-US" sz="2000" dirty="0">
               <a:solidFill>
@@ -18148,7 +18148,7 @@
                 <a:latin typeface="Open Sans" panose="020B0606030504020204" pitchFamily="34" charset="0"/>
                 <a:ea typeface="Open Sans" panose="020B0606030504020204" pitchFamily="34" charset="0"/>
               </a:rPr>
-              <a:t>???</a:t>
+              <a:t/>
             </a:r>
             <a:endParaRPr lang="en-US" sz="2000" dirty="0">
               <a:solidFill>
@@ -18223,7 +18223,7 @@
                 <a:latin typeface="Open Sans" panose="020B0606030504020204" pitchFamily="34" charset="0"/>
                 <a:ea typeface="Open Sans" panose="020B0606030504020204" pitchFamily="34" charset="0"/>
               </a:rPr>
-              <a:t>???</a:t>
+              <a:t/>
             </a:r>
             <a:endParaRPr lang="en-US" sz="2000" dirty="0">
               <a:solidFill>
